--- a/abstract.pptx
+++ b/abstract.pptx
@@ -3052,7 +3052,7 @@
         <p:spPr>
           <a:xfrm>
             <a:off x="10573432" y="12353836"/>
-            <a:ext cx="4547014" cy="5745804"/>
+            <a:ext cx="6036461" cy="5745804"/>
           </a:xfrm>
           <a:prstGeom prst="rect">
             <a:avLst/>
@@ -3066,9 +3066,26 @@
           <a:lstStyle/>
           <a:p>
             <a:r>
-              <a:rPr lang="en-US" altLang="ko-KR" smtClean="0"/>
-              <a:t>extensions.py</a:t>
-            </a:r>
+              <a:rPr lang="en-US" altLang="ko-KR">
+                <a:solidFill>
+                  <a:srgbClr val="FF0000"/>
+                </a:solidFill>
+              </a:rPr>
+              <a:t>a</a:t>
+            </a:r>
+            <a:r>
+              <a:rPr lang="en-US" altLang="ko-KR" smtClean="0">
+                <a:solidFill>
+                  <a:srgbClr val="FF0000"/>
+                </a:solidFill>
+              </a:rPr>
+              <a:t>pp/extensions.py</a:t>
+            </a:r>
+            <a:endParaRPr lang="en-US" altLang="ko-KR" smtClean="0">
+              <a:solidFill>
+                <a:srgbClr val="FF0000"/>
+              </a:solidFill>
+            </a:endParaRPr>
           </a:p>
           <a:p>
             <a:r>
